--- a/Lectures/1_intro_to_unix.pptx
+++ b/Lectures/1_intro_to_unix.pptx
@@ -6,9 +6,16 @@
   </p:sldMasterIdLst>
   <p:sldIdLst>
     <p:sldId id="256" r:id="rId2"/>
-    <p:sldId id="258" r:id="rId3"/>
-    <p:sldId id="259" r:id="rId4"/>
-    <p:sldId id="257" r:id="rId5"/>
+    <p:sldId id="265" r:id="rId3"/>
+    <p:sldId id="258" r:id="rId4"/>
+    <p:sldId id="259" r:id="rId5"/>
+    <p:sldId id="266" r:id="rId6"/>
+    <p:sldId id="257" r:id="rId7"/>
+    <p:sldId id="260" r:id="rId8"/>
+    <p:sldId id="261" r:id="rId9"/>
+    <p:sldId id="263" r:id="rId10"/>
+    <p:sldId id="262" r:id="rId11"/>
+    <p:sldId id="264" r:id="rId12"/>
   </p:sldIdLst>
   <p:sldSz cx="12192000" cy="6858000"/>
   <p:notesSz cx="6858000" cy="9144000"/>
@@ -262,7 +269,7 @@
           <a:p>
             <a:fld id="{FF16402D-04D6-394E-BEBD-6C767AF21EBD}" type="datetimeFigureOut">
               <a:rPr lang="en-GB" smtClean="0"/>
-              <a:t>28/04/2020</a:t>
+              <a:t>29/04/2020</a:t>
             </a:fld>
             <a:endParaRPr lang="en-GB"/>
           </a:p>
@@ -460,7 +467,7 @@
           <a:p>
             <a:fld id="{FF16402D-04D6-394E-BEBD-6C767AF21EBD}" type="datetimeFigureOut">
               <a:rPr lang="en-GB" smtClean="0"/>
-              <a:t>28/04/2020</a:t>
+              <a:t>29/04/2020</a:t>
             </a:fld>
             <a:endParaRPr lang="en-GB"/>
           </a:p>
@@ -668,7 +675,7 @@
           <a:p>
             <a:fld id="{FF16402D-04D6-394E-BEBD-6C767AF21EBD}" type="datetimeFigureOut">
               <a:rPr lang="en-GB" smtClean="0"/>
-              <a:t>28/04/2020</a:t>
+              <a:t>29/04/2020</a:t>
             </a:fld>
             <a:endParaRPr lang="en-GB"/>
           </a:p>
@@ -866,7 +873,7 @@
           <a:p>
             <a:fld id="{FF16402D-04D6-394E-BEBD-6C767AF21EBD}" type="datetimeFigureOut">
               <a:rPr lang="en-GB" smtClean="0"/>
-              <a:t>28/04/2020</a:t>
+              <a:t>29/04/2020</a:t>
             </a:fld>
             <a:endParaRPr lang="en-GB"/>
           </a:p>
@@ -1141,7 +1148,7 @@
           <a:p>
             <a:fld id="{FF16402D-04D6-394E-BEBD-6C767AF21EBD}" type="datetimeFigureOut">
               <a:rPr lang="en-GB" smtClean="0"/>
-              <a:t>28/04/2020</a:t>
+              <a:t>29/04/2020</a:t>
             </a:fld>
             <a:endParaRPr lang="en-GB"/>
           </a:p>
@@ -1406,7 +1413,7 @@
           <a:p>
             <a:fld id="{FF16402D-04D6-394E-BEBD-6C767AF21EBD}" type="datetimeFigureOut">
               <a:rPr lang="en-GB" smtClean="0"/>
-              <a:t>28/04/2020</a:t>
+              <a:t>29/04/2020</a:t>
             </a:fld>
             <a:endParaRPr lang="en-GB"/>
           </a:p>
@@ -1818,7 +1825,7 @@
           <a:p>
             <a:fld id="{FF16402D-04D6-394E-BEBD-6C767AF21EBD}" type="datetimeFigureOut">
               <a:rPr lang="en-GB" smtClean="0"/>
-              <a:t>28/04/2020</a:t>
+              <a:t>29/04/2020</a:t>
             </a:fld>
             <a:endParaRPr lang="en-GB"/>
           </a:p>
@@ -1959,7 +1966,7 @@
           <a:p>
             <a:fld id="{FF16402D-04D6-394E-BEBD-6C767AF21EBD}" type="datetimeFigureOut">
               <a:rPr lang="en-GB" smtClean="0"/>
-              <a:t>28/04/2020</a:t>
+              <a:t>29/04/2020</a:t>
             </a:fld>
             <a:endParaRPr lang="en-GB"/>
           </a:p>
@@ -2072,7 +2079,7 @@
           <a:p>
             <a:fld id="{FF16402D-04D6-394E-BEBD-6C767AF21EBD}" type="datetimeFigureOut">
               <a:rPr lang="en-GB" smtClean="0"/>
-              <a:t>28/04/2020</a:t>
+              <a:t>29/04/2020</a:t>
             </a:fld>
             <a:endParaRPr lang="en-GB"/>
           </a:p>
@@ -2383,7 +2390,7 @@
           <a:p>
             <a:fld id="{FF16402D-04D6-394E-BEBD-6C767AF21EBD}" type="datetimeFigureOut">
               <a:rPr lang="en-GB" smtClean="0"/>
-              <a:t>28/04/2020</a:t>
+              <a:t>29/04/2020</a:t>
             </a:fld>
             <a:endParaRPr lang="en-GB"/>
           </a:p>
@@ -2671,7 +2678,7 @@
           <a:p>
             <a:fld id="{FF16402D-04D6-394E-BEBD-6C767AF21EBD}" type="datetimeFigureOut">
               <a:rPr lang="en-GB" smtClean="0"/>
-              <a:t>28/04/2020</a:t>
+              <a:t>29/04/2020</a:t>
             </a:fld>
             <a:endParaRPr lang="en-GB"/>
           </a:p>
@@ -2912,7 +2919,7 @@
           <a:p>
             <a:fld id="{FF16402D-04D6-394E-BEBD-6C767AF21EBD}" type="datetimeFigureOut">
               <a:rPr lang="en-GB" smtClean="0"/>
-              <a:t>28/04/2020</a:t>
+              <a:t>29/04/2020</a:t>
             </a:fld>
             <a:endParaRPr lang="en-GB"/>
           </a:p>
@@ -3399,6 +3406,216 @@
 </p:sld>
 </file>
 
+<file path=ppt/slides/slide10.xml><?xml version="1.0" encoding="utf-8"?>
+<p:sld xmlns:a="http://schemas.openxmlformats.org/drawingml/2006/main" xmlns:r="http://schemas.openxmlformats.org/officeDocument/2006/relationships" xmlns:p="http://schemas.openxmlformats.org/presentationml/2006/main">
+  <p:cSld>
+    <p:spTree>
+      <p:nvGrpSpPr>
+        <p:cNvPr id="1" name=""/>
+        <p:cNvGrpSpPr/>
+        <p:nvPr/>
+      </p:nvGrpSpPr>
+      <p:grpSpPr>
+        <a:xfrm>
+          <a:off x="0" y="0"/>
+          <a:ext cx="0" cy="0"/>
+          <a:chOff x="0" y="0"/>
+          <a:chExt cx="0" cy="0"/>
+        </a:xfrm>
+      </p:grpSpPr>
+      <p:sp>
+        <p:nvSpPr>
+          <p:cNvPr id="2" name="Title 1">
+            <a:extLst>
+              <a:ext uri="{FF2B5EF4-FFF2-40B4-BE49-F238E27FC236}">
+                <a16:creationId xmlns:a16="http://schemas.microsoft.com/office/drawing/2014/main" id="{DBE8BAF5-F76D-F44A-ABC8-2349FDE94559}"/>
+              </a:ext>
+            </a:extLst>
+          </p:cNvPr>
+          <p:cNvSpPr>
+            <a:spLocks noGrp="1"/>
+          </p:cNvSpPr>
+          <p:nvPr>
+            <p:ph type="title"/>
+          </p:nvPr>
+        </p:nvSpPr>
+        <p:spPr/>
+        <p:txBody>
+          <a:bodyPr/>
+          <a:lstStyle/>
+          <a:p>
+            <a:r>
+              <a:rPr lang="en-GB" dirty="0"/>
+              <a:t>Relation to MacOS</a:t>
+            </a:r>
+          </a:p>
+        </p:txBody>
+      </p:sp>
+      <p:sp>
+        <p:nvSpPr>
+          <p:cNvPr id="3" name="Content Placeholder 2">
+            <a:extLst>
+              <a:ext uri="{FF2B5EF4-FFF2-40B4-BE49-F238E27FC236}">
+                <a16:creationId xmlns:a16="http://schemas.microsoft.com/office/drawing/2014/main" id="{1BF5E071-A164-BC41-A051-D7B083C48F63}"/>
+              </a:ext>
+            </a:extLst>
+          </p:cNvPr>
+          <p:cNvSpPr>
+            <a:spLocks noGrp="1"/>
+          </p:cNvSpPr>
+          <p:nvPr>
+            <p:ph idx="1"/>
+          </p:nvPr>
+        </p:nvSpPr>
+        <p:spPr/>
+        <p:txBody>
+          <a:bodyPr/>
+          <a:lstStyle/>
+          <a:p>
+            <a:r>
+              <a:rPr lang="en-GB" dirty="0"/>
+              <a:t>The MacOS is </a:t>
+            </a:r>
+            <a:r>
+              <a:rPr lang="en-GB" dirty="0" err="1"/>
+              <a:t>anoterh</a:t>
+            </a:r>
+            <a:r>
+              <a:rPr lang="en-GB" dirty="0"/>
+              <a:t> UNIX clone</a:t>
+            </a:r>
+          </a:p>
+        </p:txBody>
+      </p:sp>
+    </p:spTree>
+    <p:extLst>
+      <p:ext uri="{BB962C8B-B14F-4D97-AF65-F5344CB8AC3E}">
+        <p14:creationId xmlns:p14="http://schemas.microsoft.com/office/powerpoint/2010/main" val="3572853311"/>
+      </p:ext>
+    </p:extLst>
+  </p:cSld>
+  <p:clrMapOvr>
+    <a:masterClrMapping/>
+  </p:clrMapOvr>
+</p:sld>
+</file>
+
+<file path=ppt/slides/slide11.xml><?xml version="1.0" encoding="utf-8"?>
+<p:sld xmlns:a="http://schemas.openxmlformats.org/drawingml/2006/main" xmlns:r="http://schemas.openxmlformats.org/officeDocument/2006/relationships" xmlns:p="http://schemas.openxmlformats.org/presentationml/2006/main">
+  <p:cSld>
+    <p:spTree>
+      <p:nvGrpSpPr>
+        <p:cNvPr id="1" name=""/>
+        <p:cNvGrpSpPr/>
+        <p:nvPr/>
+      </p:nvGrpSpPr>
+      <p:grpSpPr>
+        <a:xfrm>
+          <a:off x="0" y="0"/>
+          <a:ext cx="0" cy="0"/>
+          <a:chOff x="0" y="0"/>
+          <a:chExt cx="0" cy="0"/>
+        </a:xfrm>
+      </p:grpSpPr>
+      <p:sp>
+        <p:nvSpPr>
+          <p:cNvPr id="2" name="Title 1">
+            <a:extLst>
+              <a:ext uri="{FF2B5EF4-FFF2-40B4-BE49-F238E27FC236}">
+                <a16:creationId xmlns:a16="http://schemas.microsoft.com/office/drawing/2014/main" id="{DAEDAB11-ABFF-FB46-B428-8AABD5E1F2C9}"/>
+              </a:ext>
+            </a:extLst>
+          </p:cNvPr>
+          <p:cNvSpPr>
+            <a:spLocks noGrp="1"/>
+          </p:cNvSpPr>
+          <p:nvPr>
+            <p:ph type="title"/>
+          </p:nvPr>
+        </p:nvSpPr>
+        <p:spPr/>
+        <p:txBody>
+          <a:bodyPr/>
+          <a:lstStyle/>
+          <a:p>
+            <a:r>
+              <a:rPr lang="en-GB" dirty="0"/>
+              <a:t>The Shell </a:t>
+            </a:r>
+          </a:p>
+        </p:txBody>
+      </p:sp>
+      <p:sp>
+        <p:nvSpPr>
+          <p:cNvPr id="3" name="Content Placeholder 2">
+            <a:extLst>
+              <a:ext uri="{FF2B5EF4-FFF2-40B4-BE49-F238E27FC236}">
+                <a16:creationId xmlns:a16="http://schemas.microsoft.com/office/drawing/2014/main" id="{165C3753-DE83-F340-9D3D-7BD5561D9301}"/>
+              </a:ext>
+            </a:extLst>
+          </p:cNvPr>
+          <p:cNvSpPr>
+            <a:spLocks noGrp="1"/>
+          </p:cNvSpPr>
+          <p:nvPr>
+            <p:ph idx="1"/>
+          </p:nvPr>
+        </p:nvSpPr>
+        <p:spPr/>
+        <p:txBody>
+          <a:bodyPr/>
+          <a:lstStyle/>
+          <a:p>
+            <a:r>
+              <a:rPr lang="en-GB" dirty="0"/>
+              <a:t>The shell is a user interface that provides access to the operating systems services.</a:t>
+            </a:r>
+          </a:p>
+          <a:p>
+            <a:r>
+              <a:rPr lang="en-GB" dirty="0"/>
+              <a:t>It is called a shell because it is the outermost layer around the operating system. </a:t>
+            </a:r>
+          </a:p>
+          <a:p>
+            <a:r>
+              <a:rPr lang="en-GB" dirty="0"/>
+              <a:t>Generally comes in two flavours:</a:t>
+            </a:r>
+          </a:p>
+          <a:p>
+            <a:pPr lvl="1"/>
+            <a:r>
+              <a:rPr lang="en-GB" dirty="0"/>
+              <a:t>Command-line interface (CLI)</a:t>
+            </a:r>
+          </a:p>
+          <a:p>
+            <a:pPr lvl="1"/>
+            <a:r>
+              <a:rPr lang="en-GB" dirty="0"/>
+              <a:t>Graphical user interface (GUI)</a:t>
+            </a:r>
+          </a:p>
+          <a:p>
+            <a:pPr lvl="1"/>
+            <a:endParaRPr lang="en-GB" dirty="0"/>
+          </a:p>
+        </p:txBody>
+      </p:sp>
+    </p:spTree>
+    <p:extLst>
+      <p:ext uri="{BB962C8B-B14F-4D97-AF65-F5344CB8AC3E}">
+        <p14:creationId xmlns:p14="http://schemas.microsoft.com/office/powerpoint/2010/main" val="1729346005"/>
+      </p:ext>
+    </p:extLst>
+  </p:cSld>
+  <p:clrMapOvr>
+    <a:masterClrMapping/>
+  </p:clrMapOvr>
+</p:sld>
+</file>
+
 <file path=ppt/slides/slide2.xml><?xml version="1.0" encoding="utf-8"?>
 <p:sld xmlns:a="http://schemas.openxmlformats.org/drawingml/2006/main" xmlns:r="http://schemas.openxmlformats.org/officeDocument/2006/relationships" xmlns:p="http://schemas.openxmlformats.org/presentationml/2006/main">
   <p:cSld>
@@ -3421,7 +3638,7 @@
           <p:cNvPr id="2" name="Title 1">
             <a:extLst>
               <a:ext uri="{FF2B5EF4-FFF2-40B4-BE49-F238E27FC236}">
-                <a16:creationId xmlns:a16="http://schemas.microsoft.com/office/drawing/2014/main" id="{AC484E97-E824-0643-9969-9692C0083CC2}"/>
+                <a16:creationId xmlns:a16="http://schemas.microsoft.com/office/drawing/2014/main" id="{73BC7FC6-C5D7-CD4D-A902-BE22BDE4A854}"/>
               </a:ext>
             </a:extLst>
           </p:cNvPr>
@@ -3437,42 +3654,42 @@
           <a:bodyPr/>
           <a:lstStyle/>
           <a:p>
+            <a:r>
+              <a:rPr lang="en-GB" dirty="0"/>
+              <a:t>The prevalence of UNIX and Linux</a:t>
+            </a:r>
+          </a:p>
+        </p:txBody>
+      </p:sp>
+      <p:sp>
+        <p:nvSpPr>
+          <p:cNvPr id="3" name="Content Placeholder 2">
+            <a:extLst>
+              <a:ext uri="{FF2B5EF4-FFF2-40B4-BE49-F238E27FC236}">
+                <a16:creationId xmlns:a16="http://schemas.microsoft.com/office/drawing/2014/main" id="{1F60BBFA-2496-0842-AD78-5B68FA5BD62C}"/>
+              </a:ext>
+            </a:extLst>
+          </p:cNvPr>
+          <p:cNvSpPr>
+            <a:spLocks noGrp="1"/>
+          </p:cNvSpPr>
+          <p:nvPr>
+            <p:ph idx="1"/>
+          </p:nvPr>
+        </p:nvSpPr>
+        <p:spPr/>
+        <p:txBody>
+          <a:bodyPr/>
+          <a:lstStyle/>
+          <a:p>
             <a:endParaRPr lang="en-GB" dirty="0"/>
-          </a:p>
-        </p:txBody>
-      </p:sp>
-      <p:sp>
-        <p:nvSpPr>
-          <p:cNvPr id="3" name="Content Placeholder 2">
-            <a:extLst>
-              <a:ext uri="{FF2B5EF4-FFF2-40B4-BE49-F238E27FC236}">
-                <a16:creationId xmlns:a16="http://schemas.microsoft.com/office/drawing/2014/main" id="{E745BA5D-4B51-7247-81B7-976EB28C7037}"/>
-              </a:ext>
-            </a:extLst>
-          </p:cNvPr>
-          <p:cNvSpPr>
-            <a:spLocks noGrp="1"/>
-          </p:cNvSpPr>
-          <p:nvPr>
-            <p:ph idx="1"/>
-          </p:nvPr>
-        </p:nvSpPr>
-        <p:spPr/>
-        <p:txBody>
-          <a:bodyPr/>
-          <a:lstStyle/>
-          <a:p>
-            <a:r>
-              <a:rPr lang="en-GB" dirty="0"/>
-              <a:t>Unix, Linux and the MacOS are all related, although they are different things.</a:t>
-            </a:r>
           </a:p>
         </p:txBody>
       </p:sp>
     </p:spTree>
     <p:extLst>
       <p:ext uri="{BB962C8B-B14F-4D97-AF65-F5344CB8AC3E}">
-        <p14:creationId xmlns:p14="http://schemas.microsoft.com/office/powerpoint/2010/main" val="51317174"/>
+        <p14:creationId xmlns:p14="http://schemas.microsoft.com/office/powerpoint/2010/main" val="1773733958"/>
       </p:ext>
     </p:extLst>
   </p:cSld>
@@ -3504,7 +3721,7 @@
           <p:cNvPr id="2" name="Title 1">
             <a:extLst>
               <a:ext uri="{FF2B5EF4-FFF2-40B4-BE49-F238E27FC236}">
-                <a16:creationId xmlns:a16="http://schemas.microsoft.com/office/drawing/2014/main" id="{5F1B38B6-F0BE-8E44-8A73-61E7D2BF5930}"/>
+                <a16:creationId xmlns:a16="http://schemas.microsoft.com/office/drawing/2014/main" id="{AC484E97-E824-0643-9969-9692C0083CC2}"/>
               </a:ext>
             </a:extLst>
           </p:cNvPr>
@@ -3520,57 +3737,34 @@
           <a:bodyPr/>
           <a:lstStyle/>
           <a:p>
+            <a:endParaRPr lang="en-GB" dirty="0"/>
+          </a:p>
+        </p:txBody>
+      </p:sp>
+      <p:sp>
+        <p:nvSpPr>
+          <p:cNvPr id="3" name="Content Placeholder 2">
+            <a:extLst>
+              <a:ext uri="{FF2B5EF4-FFF2-40B4-BE49-F238E27FC236}">
+                <a16:creationId xmlns:a16="http://schemas.microsoft.com/office/drawing/2014/main" id="{E745BA5D-4B51-7247-81B7-976EB28C7037}"/>
+              </a:ext>
+            </a:extLst>
+          </p:cNvPr>
+          <p:cNvSpPr>
+            <a:spLocks noGrp="1"/>
+          </p:cNvSpPr>
+          <p:nvPr>
+            <p:ph idx="1"/>
+          </p:nvPr>
+        </p:nvSpPr>
+        <p:spPr/>
+        <p:txBody>
+          <a:bodyPr/>
+          <a:lstStyle/>
+          <a:p>
             <a:r>
               <a:rPr lang="en-GB" dirty="0"/>
-              <a:t>Terminology</a:t>
-            </a:r>
-          </a:p>
-        </p:txBody>
-      </p:sp>
-      <p:sp>
-        <p:nvSpPr>
-          <p:cNvPr id="3" name="Content Placeholder 2">
-            <a:extLst>
-              <a:ext uri="{FF2B5EF4-FFF2-40B4-BE49-F238E27FC236}">
-                <a16:creationId xmlns:a16="http://schemas.microsoft.com/office/drawing/2014/main" id="{F12BE92A-0314-FA47-B459-3C8F315E12B4}"/>
-              </a:ext>
-            </a:extLst>
-          </p:cNvPr>
-          <p:cNvSpPr>
-            <a:spLocks noGrp="1"/>
-          </p:cNvSpPr>
-          <p:nvPr>
-            <p:ph idx="1"/>
-          </p:nvPr>
-        </p:nvSpPr>
-        <p:spPr/>
-        <p:txBody>
-          <a:bodyPr/>
-          <a:lstStyle/>
-          <a:p>
-            <a:r>
-              <a:rPr lang="en-GB" dirty="0"/>
-              <a:t>To clarify: </a:t>
-            </a:r>
-          </a:p>
-          <a:p>
-            <a:r>
-              <a:rPr lang="en-GB" dirty="0"/>
-              <a:t>Linux is not UNIX, but it is based on the same underlying </a:t>
-            </a:r>
-            <a:r>
-              <a:rPr lang="en-GB" dirty="0" err="1"/>
-              <a:t>philosphy</a:t>
-            </a:r>
-            <a:r>
-              <a:rPr lang="en-GB" dirty="0"/>
-              <a:t> (more on this later)</a:t>
-            </a:r>
-          </a:p>
-          <a:p>
-            <a:r>
-              <a:rPr lang="en-GB" dirty="0"/>
-              <a:t>A shell is a </a:t>
+              <a:t>Unix, Linux and the MacOS are all related, although they are different things.</a:t>
             </a:r>
           </a:p>
         </p:txBody>
@@ -3578,7 +3772,7 @@
     </p:spTree>
     <p:extLst>
       <p:ext uri="{BB962C8B-B14F-4D97-AF65-F5344CB8AC3E}">
-        <p14:creationId xmlns:p14="http://schemas.microsoft.com/office/powerpoint/2010/main" val="4039775967"/>
+        <p14:creationId xmlns:p14="http://schemas.microsoft.com/office/powerpoint/2010/main" val="51317174"/>
       </p:ext>
     </p:extLst>
   </p:cSld>
@@ -3610,6 +3804,411 @@
           <p:cNvPr id="2" name="Title 1">
             <a:extLst>
               <a:ext uri="{FF2B5EF4-FFF2-40B4-BE49-F238E27FC236}">
+                <a16:creationId xmlns:a16="http://schemas.microsoft.com/office/drawing/2014/main" id="{5F1B38B6-F0BE-8E44-8A73-61E7D2BF5930}"/>
+              </a:ext>
+            </a:extLst>
+          </p:cNvPr>
+          <p:cNvSpPr>
+            <a:spLocks noGrp="1"/>
+          </p:cNvSpPr>
+          <p:nvPr>
+            <p:ph type="title"/>
+          </p:nvPr>
+        </p:nvSpPr>
+        <p:spPr/>
+        <p:txBody>
+          <a:bodyPr/>
+          <a:lstStyle/>
+          <a:p>
+            <a:r>
+              <a:rPr lang="en-GB" dirty="0"/>
+              <a:t>Terminology</a:t>
+            </a:r>
+          </a:p>
+        </p:txBody>
+      </p:sp>
+      <p:sp>
+        <p:nvSpPr>
+          <p:cNvPr id="3" name="Content Placeholder 2">
+            <a:extLst>
+              <a:ext uri="{FF2B5EF4-FFF2-40B4-BE49-F238E27FC236}">
+                <a16:creationId xmlns:a16="http://schemas.microsoft.com/office/drawing/2014/main" id="{F12BE92A-0314-FA47-B459-3C8F315E12B4}"/>
+              </a:ext>
+            </a:extLst>
+          </p:cNvPr>
+          <p:cNvSpPr>
+            <a:spLocks noGrp="1"/>
+          </p:cNvSpPr>
+          <p:nvPr>
+            <p:ph idx="1"/>
+          </p:nvPr>
+        </p:nvSpPr>
+        <p:spPr/>
+        <p:txBody>
+          <a:bodyPr>
+            <a:normAutofit fontScale="92500" lnSpcReduction="20000"/>
+          </a:bodyPr>
+          <a:lstStyle/>
+          <a:p>
+            <a:r>
+              <a:rPr lang="en-GB" dirty="0"/>
+              <a:t>To clarify: </a:t>
+            </a:r>
+          </a:p>
+          <a:p>
+            <a:pPr lvl="1"/>
+            <a:r>
+              <a:rPr lang="en-GB" b="1" dirty="0"/>
+              <a:t>UNIX</a:t>
+            </a:r>
+            <a:r>
+              <a:rPr lang="en-GB" dirty="0"/>
+              <a:t> is the original</a:t>
+            </a:r>
+          </a:p>
+          <a:p>
+            <a:pPr lvl="1"/>
+            <a:r>
+              <a:rPr lang="en-GB" b="1" dirty="0"/>
+              <a:t>Linux</a:t>
+            </a:r>
+            <a:r>
+              <a:rPr lang="en-GB" dirty="0"/>
+              <a:t> is not UNIX, but it is based on the same underlying philosophy (more on this later).</a:t>
+            </a:r>
+          </a:p>
+          <a:p>
+            <a:pPr lvl="1"/>
+            <a:r>
+              <a:rPr lang="en-GB" b="1" dirty="0"/>
+              <a:t>GNU</a:t>
+            </a:r>
+            <a:r>
+              <a:rPr lang="en-GB" dirty="0"/>
+              <a:t> is not UNIX</a:t>
+            </a:r>
+          </a:p>
+          <a:p>
+            <a:pPr lvl="2"/>
+            <a:r>
+              <a:rPr lang="en-GB" dirty="0"/>
+              <a:t>which incidentally is the intention of the acronym GNU: GNU is a recursive acronym for "GNU's Not Unix!”. In the Linux community this is called “humour” </a:t>
+            </a:r>
+          </a:p>
+          <a:p>
+            <a:pPr lvl="1"/>
+            <a:r>
+              <a:rPr lang="en-GB" dirty="0"/>
+              <a:t>A </a:t>
+            </a:r>
+            <a:r>
+              <a:rPr lang="en-GB" b="1" dirty="0"/>
+              <a:t>shell</a:t>
+            </a:r>
+            <a:r>
+              <a:rPr lang="en-GB" dirty="0"/>
+              <a:t> is a access interface for the operating system. It is a program used for controlling and running programs. </a:t>
+            </a:r>
+          </a:p>
+          <a:p>
+            <a:pPr lvl="1"/>
+            <a:r>
+              <a:rPr lang="en-GB" dirty="0"/>
+              <a:t>A </a:t>
+            </a:r>
+            <a:r>
+              <a:rPr lang="en-GB" b="1" dirty="0"/>
+              <a:t>terminal</a:t>
+            </a:r>
+            <a:r>
+              <a:rPr lang="en-GB" dirty="0"/>
+              <a:t> is a program that lets the user interact with the shell. It interprets the keystrokes from the user. </a:t>
+            </a:r>
+          </a:p>
+          <a:p>
+            <a:pPr lvl="1"/>
+            <a:r>
+              <a:rPr lang="en-GB" dirty="0"/>
+              <a:t>A </a:t>
+            </a:r>
+            <a:r>
+              <a:rPr lang="en-GB" b="1" dirty="0"/>
+              <a:t>kernel</a:t>
+            </a:r>
+            <a:r>
+              <a:rPr lang="en-GB" dirty="0"/>
+              <a:t> is the central part of an </a:t>
+            </a:r>
+            <a:r>
+              <a:rPr lang="en-GB" b="1" dirty="0"/>
+              <a:t>operating system</a:t>
+            </a:r>
+            <a:r>
+              <a:rPr lang="en-GB" dirty="0"/>
+              <a:t>. It manages the operations of the computer and the hardware, most notably memory and CPU time</a:t>
+            </a:r>
+          </a:p>
+          <a:p>
+            <a:pPr lvl="1"/>
+            <a:r>
+              <a:rPr lang="en-GB" b="1" dirty="0"/>
+              <a:t>POSIX</a:t>
+            </a:r>
+            <a:r>
+              <a:rPr lang="en-GB" dirty="0"/>
+              <a:t> stands for Portable Operating System Interface, and  is an attempt by a consortium of vendors to create a single standard version of UNIX</a:t>
+            </a:r>
+          </a:p>
+        </p:txBody>
+      </p:sp>
+    </p:spTree>
+    <p:extLst>
+      <p:ext uri="{BB962C8B-B14F-4D97-AF65-F5344CB8AC3E}">
+        <p14:creationId xmlns:p14="http://schemas.microsoft.com/office/powerpoint/2010/main" val="4039775967"/>
+      </p:ext>
+    </p:extLst>
+  </p:cSld>
+  <p:clrMapOvr>
+    <a:masterClrMapping/>
+  </p:clrMapOvr>
+</p:sld>
+</file>
+
+<file path=ppt/slides/slide5.xml><?xml version="1.0" encoding="utf-8"?>
+<p:sld xmlns:a="http://schemas.openxmlformats.org/drawingml/2006/main" xmlns:r="http://schemas.openxmlformats.org/officeDocument/2006/relationships" xmlns:p="http://schemas.openxmlformats.org/presentationml/2006/main">
+  <p:cSld>
+    <p:spTree>
+      <p:nvGrpSpPr>
+        <p:cNvPr id="1" name=""/>
+        <p:cNvGrpSpPr/>
+        <p:nvPr/>
+      </p:nvGrpSpPr>
+      <p:grpSpPr>
+        <a:xfrm>
+          <a:off x="0" y="0"/>
+          <a:ext cx="0" cy="0"/>
+          <a:chOff x="0" y="0"/>
+          <a:chExt cx="0" cy="0"/>
+        </a:xfrm>
+      </p:grpSpPr>
+      <p:sp>
+        <p:nvSpPr>
+          <p:cNvPr id="2" name="Title 1">
+            <a:extLst>
+              <a:ext uri="{FF2B5EF4-FFF2-40B4-BE49-F238E27FC236}">
+                <a16:creationId xmlns:a16="http://schemas.microsoft.com/office/drawing/2014/main" id="{F8CF16AC-9274-0940-809F-96DC3CDF5848}"/>
+              </a:ext>
+            </a:extLst>
+          </p:cNvPr>
+          <p:cNvSpPr>
+            <a:spLocks noGrp="1"/>
+          </p:cNvSpPr>
+          <p:nvPr>
+            <p:ph type="title"/>
+          </p:nvPr>
+        </p:nvSpPr>
+        <p:spPr/>
+        <p:txBody>
+          <a:bodyPr/>
+          <a:lstStyle/>
+          <a:p>
+            <a:r>
+              <a:rPr lang="en-GB" dirty="0"/>
+              <a:t>Terminology</a:t>
+            </a:r>
+          </a:p>
+        </p:txBody>
+      </p:sp>
+      <p:sp>
+        <p:nvSpPr>
+          <p:cNvPr id="3" name="Content Placeholder 2">
+            <a:extLst>
+              <a:ext uri="{FF2B5EF4-FFF2-40B4-BE49-F238E27FC236}">
+                <a16:creationId xmlns:a16="http://schemas.microsoft.com/office/drawing/2014/main" id="{9B136A1B-CCBD-3C4B-9885-461AAAA22AEC}"/>
+              </a:ext>
+            </a:extLst>
+          </p:cNvPr>
+          <p:cNvSpPr>
+            <a:spLocks noGrp="1"/>
+          </p:cNvSpPr>
+          <p:nvPr>
+            <p:ph idx="1"/>
+          </p:nvPr>
+        </p:nvSpPr>
+        <p:spPr/>
+        <p:txBody>
+          <a:bodyPr numCol="2">
+            <a:normAutofit/>
+          </a:bodyPr>
+          <a:lstStyle/>
+          <a:p>
+            <a:r>
+              <a:rPr lang="en-GB" sz="2000" b="1" dirty="0"/>
+              <a:t>UNIX</a:t>
+            </a:r>
+            <a:r>
+              <a:rPr lang="en-GB" sz="2000" dirty="0"/>
+              <a:t> is the original</a:t>
+            </a:r>
+          </a:p>
+          <a:p>
+            <a:r>
+              <a:rPr lang="en-GB" sz="2000" b="1" dirty="0"/>
+              <a:t>Linux</a:t>
+            </a:r>
+            <a:r>
+              <a:rPr lang="en-GB" sz="2000" dirty="0"/>
+              <a:t> is not UNIX, but it is based on the same underlying philosophy (more on this later).</a:t>
+            </a:r>
+          </a:p>
+          <a:p>
+            <a:r>
+              <a:rPr lang="en-GB" sz="2000" b="1" dirty="0"/>
+              <a:t>GNU</a:t>
+            </a:r>
+            <a:r>
+              <a:rPr lang="en-GB" sz="2000" dirty="0"/>
+              <a:t> is not UNIX</a:t>
+            </a:r>
+          </a:p>
+          <a:p>
+            <a:pPr lvl="1"/>
+            <a:r>
+              <a:rPr lang="en-GB" sz="1800" dirty="0"/>
+              <a:t>which incidentally is the intention of the acronym GNU: GNU is a recursive acronym for “GNU's Not Unix!”. In the Linux community this is called “humour” or “clever”.  </a:t>
+            </a:r>
+          </a:p>
+          <a:p>
+            <a:r>
+              <a:rPr lang="en-GB" sz="2000" dirty="0"/>
+              <a:t>A </a:t>
+            </a:r>
+            <a:r>
+              <a:rPr lang="en-GB" sz="2000" b="1" dirty="0"/>
+              <a:t>shell</a:t>
+            </a:r>
+            <a:r>
+              <a:rPr lang="en-GB" sz="2000" dirty="0"/>
+              <a:t> is a access interface for the operating system. It is a program used for controlling and running programs. </a:t>
+            </a:r>
+          </a:p>
+          <a:p>
+            <a:r>
+              <a:rPr lang="en-GB" sz="2000" b="1" dirty="0"/>
+              <a:t>Bash</a:t>
+            </a:r>
+            <a:r>
+              <a:rPr lang="en-GB" sz="2000" dirty="0"/>
+              <a:t> is a used shell program (others include </a:t>
+            </a:r>
+            <a:r>
+              <a:rPr lang="en-GB" sz="2000" dirty="0" err="1"/>
+              <a:t>sh</a:t>
+            </a:r>
+            <a:r>
+              <a:rPr lang="en-GB" sz="2000" dirty="0"/>
+              <a:t>, ash, </a:t>
+            </a:r>
+            <a:r>
+              <a:rPr lang="en-GB" sz="2000" dirty="0" err="1"/>
+              <a:t>zsh</a:t>
+            </a:r>
+            <a:r>
+              <a:rPr lang="en-GB" sz="2000" dirty="0"/>
+              <a:t>, </a:t>
+            </a:r>
+            <a:r>
+              <a:rPr lang="en-GB" sz="2000" dirty="0" err="1"/>
+              <a:t>ksh</a:t>
+            </a:r>
+            <a:r>
+              <a:rPr lang="en-GB" sz="2000" dirty="0"/>
+              <a:t>…)</a:t>
+            </a:r>
+          </a:p>
+          <a:p>
+            <a:r>
+              <a:rPr lang="en-GB" sz="2000" dirty="0"/>
+              <a:t>A </a:t>
+            </a:r>
+            <a:r>
+              <a:rPr lang="en-GB" sz="2000" b="1" dirty="0"/>
+              <a:t>terminal</a:t>
+            </a:r>
+            <a:r>
+              <a:rPr lang="en-GB" sz="2000" dirty="0"/>
+              <a:t> is a program that lets the user interact with the shell. It interprets the keystrokes from the user and passes it on to the shell.</a:t>
+            </a:r>
+          </a:p>
+          <a:p>
+            <a:r>
+              <a:rPr lang="en-GB" sz="2000" dirty="0"/>
+              <a:t>A </a:t>
+            </a:r>
+            <a:r>
+              <a:rPr lang="en-GB" sz="2000" b="1" dirty="0"/>
+              <a:t>kernel</a:t>
+            </a:r>
+            <a:r>
+              <a:rPr lang="en-GB" sz="2000" dirty="0"/>
+              <a:t> is the central part of an </a:t>
+            </a:r>
+            <a:r>
+              <a:rPr lang="en-GB" sz="2000" b="1" dirty="0"/>
+              <a:t>operating system</a:t>
+            </a:r>
+            <a:r>
+              <a:rPr lang="en-GB" sz="2000" dirty="0"/>
+              <a:t>. It manages the operations of the computer and the hardware, most notably memory and CPU time</a:t>
+            </a:r>
+          </a:p>
+          <a:p>
+            <a:r>
+              <a:rPr lang="en-GB" sz="2000" b="1" dirty="0"/>
+              <a:t>POSIX</a:t>
+            </a:r>
+            <a:r>
+              <a:rPr lang="en-GB" sz="2000" dirty="0"/>
+              <a:t> stands for Portable Operating System Interface, and  is an attempt by a consortium of vendors to create a single standard version of UNIX</a:t>
+            </a:r>
+          </a:p>
+        </p:txBody>
+      </p:sp>
+    </p:spTree>
+    <p:extLst>
+      <p:ext uri="{BB962C8B-B14F-4D97-AF65-F5344CB8AC3E}">
+        <p14:creationId xmlns:p14="http://schemas.microsoft.com/office/powerpoint/2010/main" val="2949435981"/>
+      </p:ext>
+    </p:extLst>
+  </p:cSld>
+  <p:clrMapOvr>
+    <a:masterClrMapping/>
+  </p:clrMapOvr>
+</p:sld>
+</file>
+
+<file path=ppt/slides/slide6.xml><?xml version="1.0" encoding="utf-8"?>
+<p:sld xmlns:a="http://schemas.openxmlformats.org/drawingml/2006/main" xmlns:r="http://schemas.openxmlformats.org/officeDocument/2006/relationships" xmlns:p="http://schemas.openxmlformats.org/presentationml/2006/main">
+  <p:cSld>
+    <p:spTree>
+      <p:nvGrpSpPr>
+        <p:cNvPr id="1" name=""/>
+        <p:cNvGrpSpPr/>
+        <p:nvPr/>
+      </p:nvGrpSpPr>
+      <p:grpSpPr>
+        <a:xfrm>
+          <a:off x="0" y="0"/>
+          <a:ext cx="0" cy="0"/>
+          <a:chOff x="0" y="0"/>
+          <a:chExt cx="0" cy="0"/>
+        </a:xfrm>
+      </p:grpSpPr>
+      <p:sp>
+        <p:nvSpPr>
+          <p:cNvPr id="2" name="Title 1">
+            <a:extLst>
+              <a:ext uri="{FF2B5EF4-FFF2-40B4-BE49-F238E27FC236}">
                 <a16:creationId xmlns:a16="http://schemas.microsoft.com/office/drawing/2014/main" id="{294B6353-851A-D542-9A46-5733E0F172E3}"/>
               </a:ext>
             </a:extLst>
@@ -3662,6 +4261,258 @@
     <p:extLst>
       <p:ext uri="{BB962C8B-B14F-4D97-AF65-F5344CB8AC3E}">
         <p14:creationId xmlns:p14="http://schemas.microsoft.com/office/powerpoint/2010/main" val="3232496669"/>
+      </p:ext>
+    </p:extLst>
+  </p:cSld>
+  <p:clrMapOvr>
+    <a:masterClrMapping/>
+  </p:clrMapOvr>
+</p:sld>
+</file>
+
+<file path=ppt/slides/slide7.xml><?xml version="1.0" encoding="utf-8"?>
+<p:sld xmlns:a="http://schemas.openxmlformats.org/drawingml/2006/main" xmlns:r="http://schemas.openxmlformats.org/officeDocument/2006/relationships" xmlns:p="http://schemas.openxmlformats.org/presentationml/2006/main">
+  <p:cSld>
+    <p:spTree>
+      <p:nvGrpSpPr>
+        <p:cNvPr id="1" name=""/>
+        <p:cNvGrpSpPr/>
+        <p:nvPr/>
+      </p:nvGrpSpPr>
+      <p:grpSpPr>
+        <a:xfrm>
+          <a:off x="0" y="0"/>
+          <a:ext cx="0" cy="0"/>
+          <a:chOff x="0" y="0"/>
+          <a:chExt cx="0" cy="0"/>
+        </a:xfrm>
+      </p:grpSpPr>
+      <p:sp>
+        <p:nvSpPr>
+          <p:cNvPr id="2" name="Title 1">
+            <a:extLst>
+              <a:ext uri="{FF2B5EF4-FFF2-40B4-BE49-F238E27FC236}">
+                <a16:creationId xmlns:a16="http://schemas.microsoft.com/office/drawing/2014/main" id="{DE917417-CEC7-374A-ADF8-B0EE6EF758F6}"/>
+              </a:ext>
+            </a:extLst>
+          </p:cNvPr>
+          <p:cNvSpPr>
+            <a:spLocks noGrp="1"/>
+          </p:cNvSpPr>
+          <p:nvPr>
+            <p:ph type="title"/>
+          </p:nvPr>
+        </p:nvSpPr>
+        <p:spPr/>
+        <p:txBody>
+          <a:bodyPr/>
+          <a:lstStyle/>
+          <a:p>
+            <a:r>
+              <a:rPr lang="en-GB" dirty="0"/>
+              <a:t>The UNIX philosophy</a:t>
+            </a:r>
+          </a:p>
+        </p:txBody>
+      </p:sp>
+      <p:sp>
+        <p:nvSpPr>
+          <p:cNvPr id="3" name="Content Placeholder 2">
+            <a:extLst>
+              <a:ext uri="{FF2B5EF4-FFF2-40B4-BE49-F238E27FC236}">
+                <a16:creationId xmlns:a16="http://schemas.microsoft.com/office/drawing/2014/main" id="{3C1BE4D0-FE64-E441-A238-F224205B6B07}"/>
+              </a:ext>
+            </a:extLst>
+          </p:cNvPr>
+          <p:cNvSpPr>
+            <a:spLocks noGrp="1"/>
+          </p:cNvSpPr>
+          <p:nvPr>
+            <p:ph idx="1"/>
+          </p:nvPr>
+        </p:nvSpPr>
+        <p:spPr/>
+        <p:txBody>
+          <a:bodyPr/>
+          <a:lstStyle/>
+          <a:p>
+            <a:endParaRPr lang="en-GB"/>
+          </a:p>
+        </p:txBody>
+      </p:sp>
+    </p:spTree>
+    <p:extLst>
+      <p:ext uri="{BB962C8B-B14F-4D97-AF65-F5344CB8AC3E}">
+        <p14:creationId xmlns:p14="http://schemas.microsoft.com/office/powerpoint/2010/main" val="1360182632"/>
+      </p:ext>
+    </p:extLst>
+  </p:cSld>
+  <p:clrMapOvr>
+    <a:masterClrMapping/>
+  </p:clrMapOvr>
+</p:sld>
+</file>
+
+<file path=ppt/slides/slide8.xml><?xml version="1.0" encoding="utf-8"?>
+<p:sld xmlns:a="http://schemas.openxmlformats.org/drawingml/2006/main" xmlns:r="http://schemas.openxmlformats.org/officeDocument/2006/relationships" xmlns:p="http://schemas.openxmlformats.org/presentationml/2006/main">
+  <p:cSld>
+    <p:spTree>
+      <p:nvGrpSpPr>
+        <p:cNvPr id="1" name=""/>
+        <p:cNvGrpSpPr/>
+        <p:nvPr/>
+      </p:nvGrpSpPr>
+      <p:grpSpPr>
+        <a:xfrm>
+          <a:off x="0" y="0"/>
+          <a:ext cx="0" cy="0"/>
+          <a:chOff x="0" y="0"/>
+          <a:chExt cx="0" cy="0"/>
+        </a:xfrm>
+      </p:grpSpPr>
+      <p:sp>
+        <p:nvSpPr>
+          <p:cNvPr id="2" name="Title 1">
+            <a:extLst>
+              <a:ext uri="{FF2B5EF4-FFF2-40B4-BE49-F238E27FC236}">
+                <a16:creationId xmlns:a16="http://schemas.microsoft.com/office/drawing/2014/main" id="{DE917417-CEC7-374A-ADF8-B0EE6EF758F6}"/>
+              </a:ext>
+            </a:extLst>
+          </p:cNvPr>
+          <p:cNvSpPr>
+            <a:spLocks noGrp="1"/>
+          </p:cNvSpPr>
+          <p:nvPr>
+            <p:ph type="title"/>
+          </p:nvPr>
+        </p:nvSpPr>
+        <p:spPr/>
+        <p:txBody>
+          <a:bodyPr/>
+          <a:lstStyle/>
+          <a:p>
+            <a:r>
+              <a:rPr lang="en-GB" dirty="0"/>
+              <a:t>Enter Linux</a:t>
+            </a:r>
+          </a:p>
+        </p:txBody>
+      </p:sp>
+      <p:sp>
+        <p:nvSpPr>
+          <p:cNvPr id="3" name="Content Placeholder 2">
+            <a:extLst>
+              <a:ext uri="{FF2B5EF4-FFF2-40B4-BE49-F238E27FC236}">
+                <a16:creationId xmlns:a16="http://schemas.microsoft.com/office/drawing/2014/main" id="{3C1BE4D0-FE64-E441-A238-F224205B6B07}"/>
+              </a:ext>
+            </a:extLst>
+          </p:cNvPr>
+          <p:cNvSpPr>
+            <a:spLocks noGrp="1"/>
+          </p:cNvSpPr>
+          <p:nvPr>
+            <p:ph idx="1"/>
+          </p:nvPr>
+        </p:nvSpPr>
+        <p:spPr/>
+        <p:txBody>
+          <a:bodyPr/>
+          <a:lstStyle/>
+          <a:p>
+            <a:r>
+              <a:rPr lang="en-GB" dirty="0"/>
+              <a:t>Linux is a UNIX clone</a:t>
+            </a:r>
+          </a:p>
+        </p:txBody>
+      </p:sp>
+    </p:spTree>
+    <p:extLst>
+      <p:ext uri="{BB962C8B-B14F-4D97-AF65-F5344CB8AC3E}">
+        <p14:creationId xmlns:p14="http://schemas.microsoft.com/office/powerpoint/2010/main" val="2976087014"/>
+      </p:ext>
+    </p:extLst>
+  </p:cSld>
+  <p:clrMapOvr>
+    <a:masterClrMapping/>
+  </p:clrMapOvr>
+</p:sld>
+</file>
+
+<file path=ppt/slides/slide9.xml><?xml version="1.0" encoding="utf-8"?>
+<p:sld xmlns:a="http://schemas.openxmlformats.org/drawingml/2006/main" xmlns:r="http://schemas.openxmlformats.org/officeDocument/2006/relationships" xmlns:p="http://schemas.openxmlformats.org/presentationml/2006/main">
+  <p:cSld>
+    <p:spTree>
+      <p:nvGrpSpPr>
+        <p:cNvPr id="1" name=""/>
+        <p:cNvGrpSpPr/>
+        <p:nvPr/>
+      </p:nvGrpSpPr>
+      <p:grpSpPr>
+        <a:xfrm>
+          <a:off x="0" y="0"/>
+          <a:ext cx="0" cy="0"/>
+          <a:chOff x="0" y="0"/>
+          <a:chExt cx="0" cy="0"/>
+        </a:xfrm>
+      </p:grpSpPr>
+      <p:sp>
+        <p:nvSpPr>
+          <p:cNvPr id="2" name="Title 1">
+            <a:extLst>
+              <a:ext uri="{FF2B5EF4-FFF2-40B4-BE49-F238E27FC236}">
+                <a16:creationId xmlns:a16="http://schemas.microsoft.com/office/drawing/2014/main" id="{DBE8BAF5-F76D-F44A-ABC8-2349FDE94559}"/>
+              </a:ext>
+            </a:extLst>
+          </p:cNvPr>
+          <p:cNvSpPr>
+            <a:spLocks noGrp="1"/>
+          </p:cNvSpPr>
+          <p:nvPr>
+            <p:ph type="title"/>
+          </p:nvPr>
+        </p:nvSpPr>
+        <p:spPr/>
+        <p:txBody>
+          <a:bodyPr/>
+          <a:lstStyle/>
+          <a:p>
+            <a:r>
+              <a:rPr lang="en-GB" dirty="0"/>
+              <a:t>The evolution of Linux</a:t>
+            </a:r>
+          </a:p>
+        </p:txBody>
+      </p:sp>
+      <p:sp>
+        <p:nvSpPr>
+          <p:cNvPr id="3" name="Content Placeholder 2">
+            <a:extLst>
+              <a:ext uri="{FF2B5EF4-FFF2-40B4-BE49-F238E27FC236}">
+                <a16:creationId xmlns:a16="http://schemas.microsoft.com/office/drawing/2014/main" id="{1BF5E071-A164-BC41-A051-D7B083C48F63}"/>
+              </a:ext>
+            </a:extLst>
+          </p:cNvPr>
+          <p:cNvSpPr>
+            <a:spLocks noGrp="1"/>
+          </p:cNvSpPr>
+          <p:nvPr>
+            <p:ph idx="1"/>
+          </p:nvPr>
+        </p:nvSpPr>
+        <p:spPr/>
+        <p:txBody>
+          <a:bodyPr/>
+          <a:lstStyle/>
+          <a:p>
+            <a:endParaRPr lang="en-GB"/>
+          </a:p>
+        </p:txBody>
+      </p:sp>
+    </p:spTree>
+    <p:extLst>
+      <p:ext uri="{BB962C8B-B14F-4D97-AF65-F5344CB8AC3E}">
+        <p14:creationId xmlns:p14="http://schemas.microsoft.com/office/powerpoint/2010/main" val="2144611973"/>
       </p:ext>
     </p:extLst>
   </p:cSld>
